--- a/test.pptx
+++ b/test.pptx
@@ -3101,13 +3101,21 @@
             <p:ph type="ctrTitle"/>
           </p:nvPr>
         </p:nvSpPr>
-        <p:spPr/>
+        <p:spPr>
+          <a:xfrm>
+            <a:off x="0" y="914400"/>
+            <a:ext cx="0" cy="914400"/>
+          </a:xfrm>
+        </p:spPr>
         <p:txBody>
           <a:bodyPr/>
           <a:lstStyle/>
           <a:p>
             <a:pPr>
-              <a:defRPr>
+              <a:defRPr sz="3600">
+                <a:solidFill>
+                  <a:srgbClr val="800000"/>
+                </a:solidFill>
                 <a:latin typeface="Noteworthy"/>
               </a:defRPr>
             </a:pPr>
@@ -3132,6 +3140,103 @@
           <a:bodyPr/>
           <a:lstStyle/>
           <a:p/>
+        </p:txBody>
+      </p:sp>
+      <p:sp>
+        <p:nvSpPr>
+          <p:cNvPr id="4" name="Rectangle 3"/>
+          <p:cNvSpPr/>
+          <p:nvPr/>
+        </p:nvSpPr>
+        <p:spPr>
+          <a:xfrm>
+            <a:off x="0" y="0"/>
+            <a:ext cx="9144000" cy="457200"/>
+          </a:xfrm>
+          <a:prstGeom prst="rect">
+            <a:avLst/>
+          </a:prstGeom>
+          <a:solidFill>
+            <a:srgbClr val="800000"/>
+          </a:solidFill>
+        </p:spPr>
+        <p:style>
+          <a:lnRef idx="1">
+            <a:schemeClr val="accent1"/>
+          </a:lnRef>
+          <a:fillRef idx="3">
+            <a:schemeClr val="accent1"/>
+          </a:fillRef>
+          <a:effectRef idx="2">
+            <a:schemeClr val="accent1"/>
+          </a:effectRef>
+          <a:fontRef idx="minor">
+            <a:schemeClr val="lt1"/>
+          </a:fontRef>
+        </p:style>
+        <p:txBody>
+          <a:bodyPr rtlCol="0" anchor="ctr"/>
+          <a:lstStyle/>
+          <a:p>
+            <a:pPr algn="ctr"/>
+          </a:p>
+        </p:txBody>
+      </p:sp>
+      <p:pic>
+        <p:nvPicPr>
+          <p:cNvPr id="5" name="Picture 4" descr="title.png"/>
+          <p:cNvPicPr>
+            <a:picLocks noChangeAspect="1"/>
+          </p:cNvPicPr>
+          <p:nvPr/>
+        </p:nvPicPr>
+        <p:blipFill>
+          <a:blip r:embed="rId2"/>
+          <a:stretch>
+            <a:fillRect/>
+          </a:stretch>
+        </p:blipFill>
+        <p:spPr>
+          <a:xfrm>
+            <a:off x="1828800" y="2286000"/>
+            <a:ext cx="5486400" cy="4572000"/>
+          </a:xfrm>
+          <a:prstGeom prst="rect">
+            <a:avLst/>
+          </a:prstGeom>
+        </p:spPr>
+      </p:pic>
+      <p:sp>
+        <p:nvSpPr>
+          <p:cNvPr id="6" name="TextBox 5"/>
+          <p:cNvSpPr txBox="1"/>
+          <p:nvPr/>
+        </p:nvSpPr>
+        <p:spPr>
+          <a:xfrm>
+            <a:off x="0" y="6858000"/>
+            <a:ext cx="9144000" cy="457200"/>
+          </a:xfrm>
+          <a:prstGeom prst="rect">
+            <a:avLst/>
+          </a:prstGeom>
+          <a:noFill/>
+        </p:spPr>
+        <p:txBody>
+          <a:bodyPr wrap="none">
+            <a:spAutoFit/>
+          </a:bodyPr>
+          <a:lstStyle/>
+          <a:p>
+            <a:pPr algn="ctr">
+              <a:defRPr sz="1440">
+                <a:latin typeface="Geneva"/>
+              </a:defRPr>
+            </a:pPr>
+            <a:r>
+              <a:t>Written by Abubakar Abid</a:t>
+            </a:r>
+          </a:p>
         </p:txBody>
       </p:sp>
     </p:spTree>
@@ -3186,11 +3291,12 @@
           <a:noFill/>
         </p:spPr>
         <p:txBody>
-          <a:bodyPr wrap="none">
+          <a:bodyPr wrap="square">
             <a:spAutoFit/>
           </a:bodyPr>
           <a:lstStyle/>
           <a:p>
+            <a:pPr algn="ctr"/>
             <a:r>
               <a:rPr sz="2160">
                 <a:latin typeface="Geneva"/>
@@ -3206,9 +3312,33 @@
           </a:p>
         </p:txBody>
       </p:sp>
-      <p:sp>
-        <p:nvSpPr>
-          <p:cNvPr id="4" name="TextBox 3"/>
+      <p:pic>
+        <p:nvPicPr>
+          <p:cNvPr id="4" name="Picture 3" descr="page_1.png"/>
+          <p:cNvPicPr>
+            <a:picLocks noChangeAspect="1"/>
+          </p:cNvPicPr>
+          <p:nvPr/>
+        </p:nvPicPr>
+        <p:blipFill>
+          <a:blip r:embed="rId2"/>
+          <a:stretch>
+            <a:fillRect/>
+          </a:stretch>
+        </p:blipFill>
+        <p:spPr>
+          <a:xfrm>
+            <a:off x="914400" y="1828800"/>
+            <a:ext cx="7315200" cy="3657600"/>
+          </a:xfrm>
+          <a:prstGeom prst="rect">
+            <a:avLst/>
+          </a:prstGeom>
+        </p:spPr>
+      </p:pic>
+      <p:sp>
+        <p:nvSpPr>
+          <p:cNvPr id="5" name="TextBox 4"/>
           <p:cNvSpPr txBox="1"/>
           <p:nvPr/>
         </p:nvSpPr>
@@ -3282,7 +3412,7 @@
         </p:nvSpPr>
         <p:spPr>
           <a:xfrm>
-            <a:off x="457200" y="457200"/>
+            <a:off x="457200" y="4114800"/>
             <a:ext cx="8229600" cy="914400"/>
           </a:xfrm>
           <a:prstGeom prst="rect">
@@ -3291,12 +3421,12 @@
           <a:noFill/>
         </p:spPr>
         <p:txBody>
-          <a:bodyPr wrap="none">
+          <a:bodyPr wrap="square">
             <a:spAutoFit/>
           </a:bodyPr>
           <a:lstStyle/>
           <a:p>
-            <a:pPr>
+            <a:pPr algn="ctr">
               <a:defRPr sz="1800">
                 <a:latin typeface="Geneva"/>
               </a:defRPr>
@@ -3307,9 +3437,33 @@
           </a:p>
         </p:txBody>
       </p:sp>
-      <p:sp>
-        <p:nvSpPr>
-          <p:cNvPr id="4" name="TextBox 3"/>
+      <p:pic>
+        <p:nvPicPr>
+          <p:cNvPr id="4" name="Picture 3" descr="page_2.png"/>
+          <p:cNvPicPr>
+            <a:picLocks noChangeAspect="1"/>
+          </p:cNvPicPr>
+          <p:nvPr/>
+        </p:nvPicPr>
+        <p:blipFill>
+          <a:blip r:embed="rId2"/>
+          <a:stretch>
+            <a:fillRect/>
+          </a:stretch>
+        </p:blipFill>
+        <p:spPr>
+          <a:xfrm>
+            <a:off x="914400" y="457200"/>
+            <a:ext cx="7315200" cy="3657600"/>
+          </a:xfrm>
+          <a:prstGeom prst="rect">
+            <a:avLst/>
+          </a:prstGeom>
+        </p:spPr>
+      </p:pic>
+      <p:sp>
+        <p:nvSpPr>
+          <p:cNvPr id="5" name="TextBox 4"/>
           <p:cNvSpPr txBox="1"/>
           <p:nvPr/>
         </p:nvSpPr>
@@ -3392,12 +3546,12 @@
           <a:noFill/>
         </p:spPr>
         <p:txBody>
-          <a:bodyPr wrap="none">
+          <a:bodyPr wrap="square">
             <a:spAutoFit/>
           </a:bodyPr>
           <a:lstStyle/>
           <a:p>
-            <a:pPr>
+            <a:pPr algn="ctr">
               <a:defRPr sz="1800">
                 <a:latin typeface="Geneva"/>
               </a:defRPr>
@@ -3408,9 +3562,33 @@
           </a:p>
         </p:txBody>
       </p:sp>
-      <p:sp>
-        <p:nvSpPr>
-          <p:cNvPr id="4" name="TextBox 3"/>
+      <p:pic>
+        <p:nvPicPr>
+          <p:cNvPr id="4" name="Picture 3" descr="page_3.png"/>
+          <p:cNvPicPr>
+            <a:picLocks noChangeAspect="1"/>
+          </p:cNvPicPr>
+          <p:nvPr/>
+        </p:nvPicPr>
+        <p:blipFill>
+          <a:blip r:embed="rId2"/>
+          <a:stretch>
+            <a:fillRect/>
+          </a:stretch>
+        </p:blipFill>
+        <p:spPr>
+          <a:xfrm>
+            <a:off x="914400" y="1828800"/>
+            <a:ext cx="7315200" cy="3657600"/>
+          </a:xfrm>
+          <a:prstGeom prst="rect">
+            <a:avLst/>
+          </a:prstGeom>
+        </p:spPr>
+      </p:pic>
+      <p:sp>
+        <p:nvSpPr>
+          <p:cNvPr id="5" name="TextBox 4"/>
           <p:cNvSpPr txBox="1"/>
           <p:nvPr/>
         </p:nvSpPr>

--- a/test.pptx
+++ b/test.pptx
@@ -3104,14 +3104,14 @@
         <p:spPr>
           <a:xfrm>
             <a:off x="0" y="914400"/>
-            <a:ext cx="0" cy="914400"/>
+            <a:ext cx="0" cy="1828800"/>
           </a:xfrm>
         </p:spPr>
         <p:txBody>
           <a:bodyPr/>
           <a:lstStyle/>
           <a:p>
-            <a:pPr>
+            <a:pPr algn="ctr">
               <a:defRPr sz="3600">
                 <a:solidFill>
                   <a:srgbClr val="800000"/>
@@ -3120,7 +3120,20 @@
               </a:defRPr>
             </a:pPr>
             <a:r>
-              <a:t>My First Ramadan</a:t>
+              <a:t>Mustafa's</a:t>
+            </a:r>
+          </a:p>
+          <a:p>
+            <a:pPr algn="ctr">
+              <a:defRPr sz="3600">
+                <a:solidFill>
+                  <a:srgbClr val="800000"/>
+                </a:solidFill>
+                <a:latin typeface="Noteworthy"/>
+              </a:defRPr>
+            </a:pPr>
+            <a:r>
+              <a:t>Trip To Mars</a:t>
             </a:r>
           </a:p>
         </p:txBody>
@@ -3271,50 +3284,35 @@
         <p:txBody>
           <a:bodyPr/>
           <a:lstStyle/>
-          <a:p/>
-        </p:txBody>
-      </p:sp>
-      <p:sp>
-        <p:nvSpPr>
-          <p:cNvPr id="3" name="TextBox 2"/>
-          <p:cNvSpPr txBox="1"/>
-          <p:nvPr/>
-        </p:nvSpPr>
-        <p:spPr>
-          <a:xfrm>
-            <a:off x="457200" y="457200"/>
-            <a:ext cx="8229600" cy="914400"/>
-          </a:xfrm>
-          <a:prstGeom prst="rect">
-            <a:avLst/>
-          </a:prstGeom>
-          <a:noFill/>
-        </p:spPr>
-        <p:txBody>
-          <a:bodyPr wrap="square">
-            <a:spAutoFit/>
-          </a:bodyPr>
-          <a:lstStyle/>
-          <a:p>
-            <a:pPr algn="ctr"/>
+          <a:p>
             <a:r>
               <a:rPr sz="2160">
                 <a:latin typeface="Geneva"/>
               </a:rPr>
-              <a:t>H</a:t>
+              <a:t>M</a:t>
             </a:r>
             <a:r>
               <a:rPr sz="1800">
                 <a:latin typeface="Geneva"/>
               </a:rPr>
-              <a:t>ello, this is my frist Ramadan</a:t>
+              <a:t>ustafa loves his silver cybertuck.</a:t>
+            </a:r>
+          </a:p>
+          <a:p>
+            <a:pPr algn="ctr">
+              <a:defRPr sz="1800">
+                <a:latin typeface="Geneva"/>
+              </a:defRPr>
+            </a:pPr>
+            <a:r>
+              <a:t>One day, his cybertuck starts to glow, grow, and zoom up into the sky!</a:t>
             </a:r>
           </a:p>
         </p:txBody>
       </p:sp>
       <p:pic>
         <p:nvPicPr>
-          <p:cNvPr id="4" name="Picture 3" descr="page_1.png"/>
+          <p:cNvPr id="3" name="Picture 2" descr="page_1.png"/>
           <p:cNvPicPr>
             <a:picLocks noChangeAspect="1"/>
           </p:cNvPicPr>
@@ -3338,7 +3336,7 @@
       </p:pic>
       <p:sp>
         <p:nvSpPr>
-          <p:cNvPr id="5" name="TextBox 4"/>
+          <p:cNvPr id="4" name="TextBox 3"/>
           <p:cNvSpPr txBox="1"/>
           <p:nvPr/>
         </p:nvSpPr>
@@ -3401,30 +3399,6 @@
         <p:txBody>
           <a:bodyPr/>
           <a:lstStyle/>
-          <a:p/>
-        </p:txBody>
-      </p:sp>
-      <p:sp>
-        <p:nvSpPr>
-          <p:cNvPr id="3" name="TextBox 2"/>
-          <p:cNvSpPr txBox="1"/>
-          <p:nvPr/>
-        </p:nvSpPr>
-        <p:spPr>
-          <a:xfrm>
-            <a:off x="457200" y="4114800"/>
-            <a:ext cx="8229600" cy="914400"/>
-          </a:xfrm>
-          <a:prstGeom prst="rect">
-            <a:avLst/>
-          </a:prstGeom>
-          <a:noFill/>
-        </p:spPr>
-        <p:txBody>
-          <a:bodyPr wrap="square">
-            <a:spAutoFit/>
-          </a:bodyPr>
-          <a:lstStyle/>
           <a:p>
             <a:pPr algn="ctr">
               <a:defRPr sz="1800">
@@ -3432,14 +3406,24 @@
               </a:defRPr>
             </a:pPr>
             <a:r>
-              <a:t>I am learning how to code in python</a:t>
+              <a:t>Up, up, up goes Mustafa in his special cybertuck.</a:t>
+            </a:r>
+          </a:p>
+          <a:p>
+            <a:pPr algn="ctr">
+              <a:defRPr sz="1800">
+                <a:latin typeface="Geneva"/>
+              </a:defRPr>
+            </a:pPr>
+            <a:r>
+              <a:t>He waves bye-bye to his house as it gets tiny down below.</a:t>
             </a:r>
           </a:p>
         </p:txBody>
       </p:sp>
       <p:pic>
         <p:nvPicPr>
-          <p:cNvPr id="4" name="Picture 3" descr="page_2.png"/>
+          <p:cNvPr id="3" name="Picture 2" descr="page_2.png"/>
           <p:cNvPicPr>
             <a:picLocks noChangeAspect="1"/>
           </p:cNvPicPr>
@@ -3463,7 +3447,7 @@
       </p:pic>
       <p:sp>
         <p:nvSpPr>
-          <p:cNvPr id="5" name="TextBox 4"/>
+          <p:cNvPr id="4" name="TextBox 3"/>
           <p:cNvSpPr txBox="1"/>
           <p:nvPr/>
         </p:nvSpPr>
@@ -3526,30 +3510,6 @@
         <p:txBody>
           <a:bodyPr/>
           <a:lstStyle/>
-          <a:p/>
-        </p:txBody>
-      </p:sp>
-      <p:sp>
-        <p:nvSpPr>
-          <p:cNvPr id="3" name="TextBox 2"/>
-          <p:cNvSpPr txBox="1"/>
-          <p:nvPr/>
-        </p:nvSpPr>
-        <p:spPr>
-          <a:xfrm>
-            <a:off x="457200" y="457200"/>
-            <a:ext cx="8229600" cy="914400"/>
-          </a:xfrm>
-          <a:prstGeom prst="rect">
-            <a:avLst/>
-          </a:prstGeom>
-          <a:noFill/>
-        </p:spPr>
-        <p:txBody>
-          <a:bodyPr wrap="square">
-            <a:spAutoFit/>
-          </a:bodyPr>
-          <a:lstStyle/>
           <a:p>
             <a:pPr algn="ctr">
               <a:defRPr sz="1800">
@@ -3557,14 +3517,24 @@
               </a:defRPr>
             </a:pPr>
             <a:r>
-              <a:t>I am going to build a book</a:t>
+              <a:t>The stars look like tiny lights all around him.</a:t>
+            </a:r>
+          </a:p>
+          <a:p>
+            <a:pPr algn="ctr">
+              <a:defRPr sz="1800">
+                <a:latin typeface="Geneva"/>
+              </a:defRPr>
+            </a:pPr>
+            <a:r>
+              <a:t>His cybertuck flies fast past the moon and the sun.</a:t>
             </a:r>
           </a:p>
         </p:txBody>
       </p:sp>
       <p:pic>
         <p:nvPicPr>
-          <p:cNvPr id="4" name="Picture 3" descr="page_3.png"/>
+          <p:cNvPr id="3" name="Picture 2" descr="page_3.png"/>
           <p:cNvPicPr>
             <a:picLocks noChangeAspect="1"/>
           </p:cNvPicPr>
@@ -3588,7 +3558,7 @@
       </p:pic>
       <p:sp>
         <p:nvSpPr>
-          <p:cNvPr id="5" name="TextBox 4"/>
+          <p:cNvPr id="4" name="TextBox 3"/>
           <p:cNvSpPr txBox="1"/>
           <p:nvPr/>
         </p:nvSpPr>

--- a/test.pptx
+++ b/test.pptx
@@ -3103,8 +3103,8 @@
         </p:nvSpPr>
         <p:spPr>
           <a:xfrm>
-            <a:off x="0" y="914400"/>
-            <a:ext cx="0" cy="1828800"/>
+            <a:off x="0" y="0"/>
+            <a:ext cx="9144000" cy="1828800"/>
           </a:xfrm>
         </p:spPr>
         <p:txBody>
@@ -3112,28 +3112,33 @@
           <a:lstStyle/>
           <a:p>
             <a:pPr algn="ctr">
-              <a:defRPr sz="3600">
-                <a:solidFill>
-                  <a:srgbClr val="800000"/>
-                </a:solidFill>
-                <a:latin typeface="Noteworthy"/>
+              <a:defRPr>
+                <a:latin typeface="Trebuchet MS"/>
               </a:defRPr>
             </a:pPr>
             <a:r>
-              <a:t>Mustafa's</a:t>
-            </a:r>
-          </a:p>
-          <a:p>
-            <a:pPr algn="ctr">
-              <a:defRPr sz="3600">
-                <a:solidFill>
-                  <a:srgbClr val="800000"/>
-                </a:solidFill>
-                <a:latin typeface="Noteworthy"/>
-              </a:defRPr>
-            </a:pPr>
-            <a:r>
-              <a:t>Trip To Mars</a:t>
+              <a:rPr sz="3600">
+                <a:latin typeface="Trebuchet MS"/>
+              </a:rPr>
+              <a:t>Mustafa's </a:t>
+            </a:r>
+            <a:r>
+              <a:rPr sz="3600">
+                <a:latin typeface="Trebuchet MS"/>
+              </a:rPr>
+              <a:t>Trip </a:t>
+            </a:r>
+            <a:r>
+              <a:rPr sz="3024">
+                <a:latin typeface="Trebuchet MS"/>
+              </a:rPr>
+              <a:t>to </a:t>
+            </a:r>
+            <a:r>
+              <a:rPr sz="3600">
+                <a:latin typeface="Trebuchet MS"/>
+              </a:rPr>
+              <a:t>Mars</a:t>
             </a:r>
           </a:p>
         </p:txBody>
@@ -3164,7 +3169,7 @@
         <p:spPr>
           <a:xfrm>
             <a:off x="0" y="0"/>
-            <a:ext cx="9144000" cy="457200"/>
+            <a:ext cx="182880" cy="6858000"/>
           </a:xfrm>
           <a:prstGeom prst="rect">
             <a:avLst/>
@@ -3195,39 +3200,15 @@
           </a:p>
         </p:txBody>
       </p:sp>
-      <p:pic>
-        <p:nvPicPr>
-          <p:cNvPr id="5" name="Picture 4" descr="title.png"/>
-          <p:cNvPicPr>
-            <a:picLocks noChangeAspect="1"/>
-          </p:cNvPicPr>
+      <p:sp>
+        <p:nvSpPr>
+          <p:cNvPr id="5" name="TextBox 4"/>
+          <p:cNvSpPr txBox="1"/>
           <p:nvPr/>
-        </p:nvPicPr>
-        <p:blipFill>
-          <a:blip r:embed="rId2"/>
-          <a:stretch>
-            <a:fillRect/>
-          </a:stretch>
-        </p:blipFill>
+        </p:nvSpPr>
         <p:spPr>
           <a:xfrm>
-            <a:off x="1828800" y="2286000"/>
-            <a:ext cx="5486400" cy="4572000"/>
-          </a:xfrm>
-          <a:prstGeom prst="rect">
-            <a:avLst/>
-          </a:prstGeom>
-        </p:spPr>
-      </p:pic>
-      <p:sp>
-        <p:nvSpPr>
-          <p:cNvPr id="6" name="TextBox 5"/>
-          <p:cNvSpPr txBox="1"/>
-          <p:nvPr/>
-        </p:nvSpPr>
-        <p:spPr>
-          <a:xfrm>
-            <a:off x="0" y="6858000"/>
+            <a:off x="0" y="5943600"/>
             <a:ext cx="9144000" cy="457200"/>
           </a:xfrm>
           <a:prstGeom prst="rect">
@@ -3242,8 +3223,8 @@
           <a:lstStyle/>
           <a:p>
             <a:pPr algn="ctr">
-              <a:defRPr sz="1440">
-                <a:latin typeface="Geneva"/>
+              <a:defRPr sz="1800">
+                <a:latin typeface="Trebuchet MS"/>
               </a:defRPr>
             </a:pPr>
             <a:r>
@@ -3285,23 +3266,31 @@
           <a:bodyPr/>
           <a:lstStyle/>
           <a:p>
+            <a:pPr>
+              <a:lnSpc>
+                <a:spcPct val="150000"/>
+              </a:lnSpc>
+            </a:pPr>
             <a:r>
               <a:rPr sz="2160">
-                <a:latin typeface="Geneva"/>
+                <a:latin typeface="Trebuchet MS"/>
               </a:rPr>
               <a:t>M</a:t>
             </a:r>
             <a:r>
               <a:rPr sz="1800">
-                <a:latin typeface="Geneva"/>
+                <a:latin typeface="Trebuchet MS"/>
               </a:rPr>
               <a:t>ustafa loves his silver cybertuck.</a:t>
             </a:r>
           </a:p>
           <a:p>
             <a:pPr algn="ctr">
+              <a:lnSpc>
+                <a:spcPct val="150000"/>
+              </a:lnSpc>
               <a:defRPr sz="1800">
-                <a:latin typeface="Geneva"/>
+                <a:latin typeface="Trebuchet MS"/>
               </a:defRPr>
             </a:pPr>
             <a:r>
@@ -3310,33 +3299,9 @@
           </a:p>
         </p:txBody>
       </p:sp>
-      <p:pic>
-        <p:nvPicPr>
-          <p:cNvPr id="3" name="Picture 2" descr="page_1.png"/>
-          <p:cNvPicPr>
-            <a:picLocks noChangeAspect="1"/>
-          </p:cNvPicPr>
-          <p:nvPr/>
-        </p:nvPicPr>
-        <p:blipFill>
-          <a:blip r:embed="rId2"/>
-          <a:stretch>
-            <a:fillRect/>
-          </a:stretch>
-        </p:blipFill>
-        <p:spPr>
-          <a:xfrm>
-            <a:off x="914400" y="1828800"/>
-            <a:ext cx="7315200" cy="3657600"/>
-          </a:xfrm>
-          <a:prstGeom prst="rect">
-            <a:avLst/>
-          </a:prstGeom>
-        </p:spPr>
-      </p:pic>
-      <p:sp>
-        <p:nvSpPr>
-          <p:cNvPr id="4" name="TextBox 3"/>
+      <p:sp>
+        <p:nvSpPr>
+          <p:cNvPr id="3" name="TextBox 2"/>
           <p:cNvSpPr txBox="1"/>
           <p:nvPr/>
         </p:nvSpPr>
@@ -3358,7 +3323,7 @@
           <a:p>
             <a:pPr algn="ctr">
               <a:defRPr sz="1080">
-                <a:latin typeface="Geneva"/>
+                <a:latin typeface="Trebuchet MS"/>
               </a:defRPr>
             </a:pPr>
             <a:r>
@@ -3401,8 +3366,11 @@
           <a:lstStyle/>
           <a:p>
             <a:pPr algn="ctr">
+              <a:lnSpc>
+                <a:spcPct val="150000"/>
+              </a:lnSpc>
               <a:defRPr sz="1800">
-                <a:latin typeface="Geneva"/>
+                <a:latin typeface="Trebuchet MS"/>
               </a:defRPr>
             </a:pPr>
             <a:r>
@@ -3411,8 +3379,11 @@
           </a:p>
           <a:p>
             <a:pPr algn="ctr">
+              <a:lnSpc>
+                <a:spcPct val="150000"/>
+              </a:lnSpc>
               <a:defRPr sz="1800">
-                <a:latin typeface="Geneva"/>
+                <a:latin typeface="Trebuchet MS"/>
               </a:defRPr>
             </a:pPr>
             <a:r>
@@ -3421,33 +3392,9 @@
           </a:p>
         </p:txBody>
       </p:sp>
-      <p:pic>
-        <p:nvPicPr>
-          <p:cNvPr id="3" name="Picture 2" descr="page_2.png"/>
-          <p:cNvPicPr>
-            <a:picLocks noChangeAspect="1"/>
-          </p:cNvPicPr>
-          <p:nvPr/>
-        </p:nvPicPr>
-        <p:blipFill>
-          <a:blip r:embed="rId2"/>
-          <a:stretch>
-            <a:fillRect/>
-          </a:stretch>
-        </p:blipFill>
-        <p:spPr>
-          <a:xfrm>
-            <a:off x="914400" y="457200"/>
-            <a:ext cx="7315200" cy="3657600"/>
-          </a:xfrm>
-          <a:prstGeom prst="rect">
-            <a:avLst/>
-          </a:prstGeom>
-        </p:spPr>
-      </p:pic>
-      <p:sp>
-        <p:nvSpPr>
-          <p:cNvPr id="4" name="TextBox 3"/>
+      <p:sp>
+        <p:nvSpPr>
+          <p:cNvPr id="3" name="TextBox 2"/>
           <p:cNvSpPr txBox="1"/>
           <p:nvPr/>
         </p:nvSpPr>
@@ -3469,7 +3416,7 @@
           <a:p>
             <a:pPr algn="ctr">
               <a:defRPr sz="1080">
-                <a:latin typeface="Geneva"/>
+                <a:latin typeface="Trebuchet MS"/>
               </a:defRPr>
             </a:pPr>
             <a:r>
@@ -3512,8 +3459,11 @@
           <a:lstStyle/>
           <a:p>
             <a:pPr algn="ctr">
+              <a:lnSpc>
+                <a:spcPct val="150000"/>
+              </a:lnSpc>
               <a:defRPr sz="1800">
-                <a:latin typeface="Geneva"/>
+                <a:latin typeface="Trebuchet MS"/>
               </a:defRPr>
             </a:pPr>
             <a:r>
@@ -3522,8 +3472,11 @@
           </a:p>
           <a:p>
             <a:pPr algn="ctr">
+              <a:lnSpc>
+                <a:spcPct val="150000"/>
+              </a:lnSpc>
               <a:defRPr sz="1800">
-                <a:latin typeface="Geneva"/>
+                <a:latin typeface="Trebuchet MS"/>
               </a:defRPr>
             </a:pPr>
             <a:r>
@@ -3532,33 +3485,9 @@
           </a:p>
         </p:txBody>
       </p:sp>
-      <p:pic>
-        <p:nvPicPr>
-          <p:cNvPr id="3" name="Picture 2" descr="page_3.png"/>
-          <p:cNvPicPr>
-            <a:picLocks noChangeAspect="1"/>
-          </p:cNvPicPr>
-          <p:nvPr/>
-        </p:nvPicPr>
-        <p:blipFill>
-          <a:blip r:embed="rId2"/>
-          <a:stretch>
-            <a:fillRect/>
-          </a:stretch>
-        </p:blipFill>
-        <p:spPr>
-          <a:xfrm>
-            <a:off x="914400" y="1828800"/>
-            <a:ext cx="7315200" cy="3657600"/>
-          </a:xfrm>
-          <a:prstGeom prst="rect">
-            <a:avLst/>
-          </a:prstGeom>
-        </p:spPr>
-      </p:pic>
-      <p:sp>
-        <p:nvSpPr>
-          <p:cNvPr id="4" name="TextBox 3"/>
+      <p:sp>
+        <p:nvSpPr>
+          <p:cNvPr id="3" name="TextBox 2"/>
           <p:cNvSpPr txBox="1"/>
           <p:nvPr/>
         </p:nvSpPr>
@@ -3580,7 +3509,7 @@
           <a:p>
             <a:pPr algn="ctr">
               <a:defRPr sz="1080">
-                <a:latin typeface="Geneva"/>
+                <a:latin typeface="Trebuchet MS"/>
               </a:defRPr>
             </a:pPr>
             <a:r>

--- a/test.pptx
+++ b/test.pptx
@@ -3200,9 +3200,33 @@
           </a:p>
         </p:txBody>
       </p:sp>
-      <p:sp>
-        <p:nvSpPr>
-          <p:cNvPr id="5" name="TextBox 4"/>
+      <p:pic>
+        <p:nvPicPr>
+          <p:cNvPr id="5" name="Picture 4" descr="title.png"/>
+          <p:cNvPicPr>
+            <a:picLocks noChangeAspect="1"/>
+          </p:cNvPicPr>
+          <p:nvPr/>
+        </p:nvPicPr>
+        <p:blipFill>
+          <a:blip r:embed="rId2"/>
+          <a:stretch>
+            <a:fillRect/>
+          </a:stretch>
+        </p:blipFill>
+        <p:spPr>
+          <a:xfrm>
+            <a:off x="2286000" y="1371600"/>
+            <a:ext cx="4572000" cy="4572000"/>
+          </a:xfrm>
+          <a:prstGeom prst="rect">
+            <a:avLst/>
+          </a:prstGeom>
+        </p:spPr>
+      </p:pic>
+      <p:sp>
+        <p:nvSpPr>
+          <p:cNvPr id="6" name="TextBox 5"/>
           <p:cNvSpPr txBox="1"/>
           <p:nvPr/>
         </p:nvSpPr>
@@ -3281,7 +3305,7 @@
               <a:rPr sz="1800">
                 <a:latin typeface="Trebuchet MS"/>
               </a:rPr>
-              <a:t>ustafa loves his silver cybertuck.</a:t>
+              <a:t>ustafa loves playing with his red toy truck.</a:t>
             </a:r>
           </a:p>
           <a:p>
@@ -3294,14 +3318,38 @@
               </a:defRPr>
             </a:pPr>
             <a:r>
-              <a:t>One day, his cybertuck starts to glow, grow, and zoom up into the sky!</a:t>
-            </a:r>
-          </a:p>
-        </p:txBody>
-      </p:sp>
-      <p:sp>
-        <p:nvSpPr>
-          <p:cNvPr id="3" name="TextBox 2"/>
+              <a:t>One day, his truck starts to glow, grow, and zoom up into the sky!</a:t>
+            </a:r>
+          </a:p>
+        </p:txBody>
+      </p:sp>
+      <p:pic>
+        <p:nvPicPr>
+          <p:cNvPr id="3" name="Picture 2" descr="page_1.png"/>
+          <p:cNvPicPr>
+            <a:picLocks noChangeAspect="1"/>
+          </p:cNvPicPr>
+          <p:nvPr/>
+        </p:nvPicPr>
+        <p:blipFill>
+          <a:blip r:embed="rId2"/>
+          <a:stretch>
+            <a:fillRect/>
+          </a:stretch>
+        </p:blipFill>
+        <p:spPr>
+          <a:xfrm>
+            <a:off x="2286000" y="1280160"/>
+            <a:ext cx="4572000" cy="4572000"/>
+          </a:xfrm>
+          <a:prstGeom prst="rect">
+            <a:avLst/>
+          </a:prstGeom>
+        </p:spPr>
+      </p:pic>
+      <p:sp>
+        <p:nvSpPr>
+          <p:cNvPr id="4" name="TextBox 3"/>
           <p:cNvSpPr txBox="1"/>
           <p:nvPr/>
         </p:nvSpPr>
@@ -3374,7 +3422,7 @@
               </a:defRPr>
             </a:pPr>
             <a:r>
-              <a:t>Up, up, up goes Mustafa in his special cybertuck.</a:t>
+              <a:t>Up, up, up goes Mustafa in his special red toy truck.</a:t>
             </a:r>
           </a:p>
           <a:p>
@@ -3392,9 +3440,33 @@
           </a:p>
         </p:txBody>
       </p:sp>
-      <p:sp>
-        <p:nvSpPr>
-          <p:cNvPr id="3" name="TextBox 2"/>
+      <p:pic>
+        <p:nvPicPr>
+          <p:cNvPr id="3" name="Picture 2" descr="page_2.png"/>
+          <p:cNvPicPr>
+            <a:picLocks noChangeAspect="1"/>
+          </p:cNvPicPr>
+          <p:nvPr/>
+        </p:nvPicPr>
+        <p:blipFill>
+          <a:blip r:embed="rId2"/>
+          <a:stretch>
+            <a:fillRect/>
+          </a:stretch>
+        </p:blipFill>
+        <p:spPr>
+          <a:xfrm>
+            <a:off x="2286000" y="1280160"/>
+            <a:ext cx="4572000" cy="4572000"/>
+          </a:xfrm>
+          <a:prstGeom prst="rect">
+            <a:avLst/>
+          </a:prstGeom>
+        </p:spPr>
+      </p:pic>
+      <p:sp>
+        <p:nvSpPr>
+          <p:cNvPr id="4" name="TextBox 3"/>
           <p:cNvSpPr txBox="1"/>
           <p:nvPr/>
         </p:nvSpPr>
@@ -3480,14 +3552,38 @@
               </a:defRPr>
             </a:pPr>
             <a:r>
-              <a:t>His cybertuck flies fast past the moon and the sun.</a:t>
-            </a:r>
-          </a:p>
-        </p:txBody>
-      </p:sp>
-      <p:sp>
-        <p:nvSpPr>
-          <p:cNvPr id="3" name="TextBox 2"/>
+              <a:t>His red toy truck flies fast past the moon and the sun.</a:t>
+            </a:r>
+          </a:p>
+        </p:txBody>
+      </p:sp>
+      <p:pic>
+        <p:nvPicPr>
+          <p:cNvPr id="3" name="Picture 2" descr="page_3.png"/>
+          <p:cNvPicPr>
+            <a:picLocks noChangeAspect="1"/>
+          </p:cNvPicPr>
+          <p:nvPr/>
+        </p:nvPicPr>
+        <p:blipFill>
+          <a:blip r:embed="rId2"/>
+          <a:stretch>
+            <a:fillRect/>
+          </a:stretch>
+        </p:blipFill>
+        <p:spPr>
+          <a:xfrm>
+            <a:off x="2286000" y="1280160"/>
+            <a:ext cx="4572000" cy="4572000"/>
+          </a:xfrm>
+          <a:prstGeom prst="rect">
+            <a:avLst/>
+          </a:prstGeom>
+        </p:spPr>
+      </p:pic>
+      <p:sp>
+        <p:nvSpPr>
+          <p:cNvPr id="4" name="TextBox 3"/>
           <p:cNvSpPr txBox="1"/>
           <p:nvPr/>
         </p:nvSpPr>

--- a/test.pptx
+++ b/test.pptx
@@ -8,6 +8,11 @@
     <p:sldId id="256" r:id="rId7"/>
     <p:sldId id="257" r:id="rId8"/>
     <p:sldId id="258" r:id="rId9"/>
+    <p:sldId id="259" r:id="rId10"/>
+    <p:sldId id="260" r:id="rId11"/>
+    <p:sldId id="261" r:id="rId12"/>
+    <p:sldId id="262" r:id="rId13"/>
+    <p:sldId id="263" r:id="rId14"/>
   </p:sldIdLst>
   <p:sldSz cx="9144000" cy="6858000" type="screen4x3"/>
   <p:notesSz cx="6858000" cy="9144000"/>
@@ -3199,33 +3204,9 @@
           </a:p>
         </p:txBody>
       </p:sp>
-      <p:pic>
-        <p:nvPicPr>
-          <p:cNvPr id="5" name="Picture 4" descr="title.png"/>
-          <p:cNvPicPr>
-            <a:picLocks noChangeAspect="1"/>
-          </p:cNvPicPr>
-          <p:nvPr/>
-        </p:nvPicPr>
-        <p:blipFill>
-          <a:blip r:embed="rId2"/>
-          <a:stretch>
-            <a:fillRect/>
-          </a:stretch>
-        </p:blipFill>
-        <p:spPr>
-          <a:xfrm>
-            <a:off x="2286000" y="1371600"/>
-            <a:ext cx="4572000" cy="4572000"/>
-          </a:xfrm>
-          <a:prstGeom prst="rect">
-            <a:avLst/>
-          </a:prstGeom>
-        </p:spPr>
-      </p:pic>
-      <p:sp>
-        <p:nvSpPr>
-          <p:cNvPr id="6" name="TextBox 5"/>
+      <p:sp>
+        <p:nvSpPr>
+          <p:cNvPr id="5" name="TextBox 4"/>
           <p:cNvSpPr txBox="1"/>
           <p:nvPr/>
         </p:nvSpPr>
@@ -3309,33 +3290,9 @@
           </a:p>
         </p:txBody>
       </p:sp>
-      <p:pic>
-        <p:nvPicPr>
-          <p:cNvPr id="3" name="Picture 2" descr="page_1.png"/>
-          <p:cNvPicPr>
-            <a:picLocks noChangeAspect="1"/>
-          </p:cNvPicPr>
-          <p:nvPr/>
-        </p:nvPicPr>
-        <p:blipFill>
-          <a:blip r:embed="rId2"/>
-          <a:stretch>
-            <a:fillRect/>
-          </a:stretch>
-        </p:blipFill>
-        <p:spPr>
-          <a:xfrm>
-            <a:off x="2286000" y="1280160"/>
-            <a:ext cx="4572000" cy="4572000"/>
-          </a:xfrm>
-          <a:prstGeom prst="rect">
-            <a:avLst/>
-          </a:prstGeom>
-        </p:spPr>
-      </p:pic>
-      <p:sp>
-        <p:nvSpPr>
-          <p:cNvPr id="4" name="TextBox 3"/>
+      <p:sp>
+        <p:nvSpPr>
+          <p:cNvPr id="3" name="TextBox 2"/>
           <p:cNvSpPr txBox="1"/>
           <p:nvPr/>
         </p:nvSpPr>
@@ -3413,33 +3370,9 @@
           </a:p>
         </p:txBody>
       </p:sp>
-      <p:pic>
-        <p:nvPicPr>
-          <p:cNvPr id="3" name="Picture 2" descr="page_2.png"/>
-          <p:cNvPicPr>
-            <a:picLocks noChangeAspect="1"/>
-          </p:cNvPicPr>
-          <p:nvPr/>
-        </p:nvPicPr>
-        <p:blipFill>
-          <a:blip r:embed="rId2"/>
-          <a:stretch>
-            <a:fillRect/>
-          </a:stretch>
-        </p:blipFill>
-        <p:spPr>
-          <a:xfrm>
-            <a:off x="2286000" y="1280160"/>
-            <a:ext cx="4572000" cy="4572000"/>
-          </a:xfrm>
-          <a:prstGeom prst="rect">
-            <a:avLst/>
-          </a:prstGeom>
-        </p:spPr>
-      </p:pic>
-      <p:sp>
-        <p:nvSpPr>
-          <p:cNvPr id="4" name="TextBox 3"/>
+      <p:sp>
+        <p:nvSpPr>
+          <p:cNvPr id="3" name="TextBox 2"/>
           <p:cNvSpPr txBox="1"/>
           <p:nvPr/>
         </p:nvSpPr>
@@ -3466,6 +3399,471 @@
             </a:pPr>
             <a:r>
               <a:t>2</a:t>
+            </a:r>
+          </a:p>
+        </p:txBody>
+      </p:sp>
+    </p:spTree>
+  </p:cSld>
+  <p:clrMapOvr>
+    <a:masterClrMapping/>
+  </p:clrMapOvr>
+</p:sld>
+</file>
+
+<file path=ppt/slides/slide4.xml><?xml version="1.0" encoding="utf-8"?>
+<p:sld xmlns:a="http://schemas.openxmlformats.org/drawingml/2006/main" xmlns:p="http://schemas.openxmlformats.org/presentationml/2006/main" xmlns:r="http://schemas.openxmlformats.org/officeDocument/2006/relationships">
+  <p:cSld>
+    <p:spTree>
+      <p:nvGrpSpPr>
+        <p:cNvPr id="1" name=""/>
+        <p:cNvGrpSpPr/>
+        <p:nvPr/>
+      </p:nvGrpSpPr>
+      <p:grpSpPr/>
+      <p:sp>
+        <p:nvSpPr>
+          <p:cNvPr id="2" name="Title 1"/>
+          <p:cNvSpPr>
+            <a:spLocks noGrp="1"/>
+          </p:cNvSpPr>
+          <p:nvPr>
+            <p:ph type="title"/>
+          </p:nvPr>
+        </p:nvSpPr>
+        <p:spPr/>
+        <p:txBody>
+          <a:bodyPr/>
+          <a:lstStyle/>
+          <a:p>
+            <a:pPr algn="ctr">
+              <a:lnSpc>
+                <a:spcPct val="150000"/>
+              </a:lnSpc>
+              <a:defRPr sz="1800">
+                <a:latin typeface="Trebuchet MS"/>
+              </a:defRPr>
+            </a:pPr>
+            <a:r>
+              <a:t>Mustafa starts to float up into the air in his spacesuit.</a:t>
+            </a:r>
+          </a:p>
+          <a:p>
+            <a:pPr algn="ctr">
+              <a:lnSpc>
+                <a:spcPct val="150000"/>
+              </a:lnSpc>
+              <a:defRPr sz="1800">
+                <a:latin typeface="Trebuchet MS"/>
+              </a:defRPr>
+            </a:pPr>
+            <a:r>
+              <a:t>He waves bye-bye to his house as it gets tiny down below.</a:t>
+            </a:r>
+          </a:p>
+        </p:txBody>
+      </p:sp>
+      <p:sp>
+        <p:nvSpPr>
+          <p:cNvPr id="3" name="TextBox 2"/>
+          <p:cNvSpPr txBox="1"/>
+          <p:nvPr/>
+        </p:nvSpPr>
+        <p:spPr>
+          <a:xfrm>
+            <a:off x="0" y="5943600"/>
+            <a:ext cx="9144000" cy="457200"/>
+          </a:xfrm>
+          <a:prstGeom prst="rect">
+            <a:avLst/>
+          </a:prstGeom>
+          <a:noFill/>
+        </p:spPr>
+        <p:txBody>
+          <a:bodyPr wrap="none">
+            <a:spAutoFit/>
+          </a:bodyPr>
+          <a:lstStyle/>
+          <a:p>
+            <a:pPr algn="ctr">
+              <a:defRPr sz="1080">
+                <a:latin typeface="Trebuchet MS"/>
+              </a:defRPr>
+            </a:pPr>
+            <a:r>
+              <a:t>3</a:t>
+            </a:r>
+          </a:p>
+        </p:txBody>
+      </p:sp>
+    </p:spTree>
+  </p:cSld>
+  <p:clrMapOvr>
+    <a:masterClrMapping/>
+  </p:clrMapOvr>
+</p:sld>
+</file>
+
+<file path=ppt/slides/slide5.xml><?xml version="1.0" encoding="utf-8"?>
+<p:sld xmlns:a="http://schemas.openxmlformats.org/drawingml/2006/main" xmlns:p="http://schemas.openxmlformats.org/presentationml/2006/main" xmlns:r="http://schemas.openxmlformats.org/officeDocument/2006/relationships">
+  <p:cSld>
+    <p:spTree>
+      <p:nvGrpSpPr>
+        <p:cNvPr id="1" name=""/>
+        <p:cNvGrpSpPr/>
+        <p:nvPr/>
+      </p:nvGrpSpPr>
+      <p:grpSpPr/>
+      <p:sp>
+        <p:nvSpPr>
+          <p:cNvPr id="2" name="Title 1"/>
+          <p:cNvSpPr>
+            <a:spLocks noGrp="1"/>
+          </p:cNvSpPr>
+          <p:nvPr>
+            <p:ph type="title"/>
+          </p:nvPr>
+        </p:nvSpPr>
+        <p:spPr/>
+        <p:txBody>
+          <a:bodyPr/>
+          <a:lstStyle/>
+          <a:p>
+            <a:pPr algn="ctr">
+              <a:lnSpc>
+                <a:spcPct val="150000"/>
+              </a:lnSpc>
+              <a:defRPr sz="1800">
+                <a:latin typeface="Trebuchet MS"/>
+              </a:defRPr>
+            </a:pPr>
+            <a:r>
+              <a:t>The stars look like tiny lights all around him.</a:t>
+            </a:r>
+          </a:p>
+          <a:p>
+            <a:pPr algn="ctr">
+              <a:lnSpc>
+                <a:spcPct val="150000"/>
+              </a:lnSpc>
+              <a:defRPr sz="1800">
+                <a:latin typeface="Trebuchet MS"/>
+              </a:defRPr>
+            </a:pPr>
+            <a:r>
+              <a:t>His spacesuit flies fast past the moon and the sun.</a:t>
+            </a:r>
+          </a:p>
+        </p:txBody>
+      </p:sp>
+      <p:sp>
+        <p:nvSpPr>
+          <p:cNvPr id="3" name="TextBox 2"/>
+          <p:cNvSpPr txBox="1"/>
+          <p:nvPr/>
+        </p:nvSpPr>
+        <p:spPr>
+          <a:xfrm>
+            <a:off x="0" y="5943600"/>
+            <a:ext cx="9144000" cy="457200"/>
+          </a:xfrm>
+          <a:prstGeom prst="rect">
+            <a:avLst/>
+          </a:prstGeom>
+          <a:noFill/>
+        </p:spPr>
+        <p:txBody>
+          <a:bodyPr wrap="none">
+            <a:spAutoFit/>
+          </a:bodyPr>
+          <a:lstStyle/>
+          <a:p>
+            <a:pPr algn="ctr">
+              <a:defRPr sz="1080">
+                <a:latin typeface="Trebuchet MS"/>
+              </a:defRPr>
+            </a:pPr>
+            <a:r>
+              <a:t>4</a:t>
+            </a:r>
+          </a:p>
+        </p:txBody>
+      </p:sp>
+    </p:spTree>
+  </p:cSld>
+  <p:clrMapOvr>
+    <a:masterClrMapping/>
+  </p:clrMapOvr>
+</p:sld>
+</file>
+
+<file path=ppt/slides/slide6.xml><?xml version="1.0" encoding="utf-8"?>
+<p:sld xmlns:a="http://schemas.openxmlformats.org/drawingml/2006/main" xmlns:p="http://schemas.openxmlformats.org/presentationml/2006/main" xmlns:r="http://schemas.openxmlformats.org/officeDocument/2006/relationships">
+  <p:cSld>
+    <p:spTree>
+      <p:nvGrpSpPr>
+        <p:cNvPr id="1" name=""/>
+        <p:cNvGrpSpPr/>
+        <p:nvPr/>
+      </p:nvGrpSpPr>
+      <p:grpSpPr/>
+      <p:sp>
+        <p:nvSpPr>
+          <p:cNvPr id="2" name="Title 1"/>
+          <p:cNvSpPr>
+            <a:spLocks noGrp="1"/>
+          </p:cNvSpPr>
+          <p:nvPr>
+            <p:ph type="title"/>
+          </p:nvPr>
+        </p:nvSpPr>
+        <p:spPr/>
+        <p:txBody>
+          <a:bodyPr/>
+          <a:lstStyle/>
+          <a:p>
+            <a:pPr algn="ctr">
+              <a:lnSpc>
+                <a:spcPct val="150000"/>
+              </a:lnSpc>
+              <a:defRPr sz="1800">
+                <a:latin typeface="Trebuchet MS"/>
+              </a:defRPr>
+            </a:pPr>
+            <a:r>
+              <a:t>Mustafa lands on Mars.</a:t>
+            </a:r>
+          </a:p>
+          <a:p>
+            <a:pPr algn="ctr">
+              <a:lnSpc>
+                <a:spcPct val="150000"/>
+              </a:lnSpc>
+              <a:defRPr sz="1800">
+                <a:latin typeface="Trebuchet MS"/>
+              </a:defRPr>
+            </a:pPr>
+            <a:r>
+              <a:t>The landing makes a big crater in the Martian surface.</a:t>
+            </a:r>
+          </a:p>
+        </p:txBody>
+      </p:sp>
+      <p:sp>
+        <p:nvSpPr>
+          <p:cNvPr id="3" name="TextBox 2"/>
+          <p:cNvSpPr txBox="1"/>
+          <p:nvPr/>
+        </p:nvSpPr>
+        <p:spPr>
+          <a:xfrm>
+            <a:off x="0" y="5943600"/>
+            <a:ext cx="9144000" cy="457200"/>
+          </a:xfrm>
+          <a:prstGeom prst="rect">
+            <a:avLst/>
+          </a:prstGeom>
+          <a:noFill/>
+        </p:spPr>
+        <p:txBody>
+          <a:bodyPr wrap="none">
+            <a:spAutoFit/>
+          </a:bodyPr>
+          <a:lstStyle/>
+          <a:p>
+            <a:pPr algn="ctr">
+              <a:defRPr sz="1080">
+                <a:latin typeface="Trebuchet MS"/>
+              </a:defRPr>
+            </a:pPr>
+            <a:r>
+              <a:t>5</a:t>
+            </a:r>
+          </a:p>
+        </p:txBody>
+      </p:sp>
+    </p:spTree>
+  </p:cSld>
+  <p:clrMapOvr>
+    <a:masterClrMapping/>
+  </p:clrMapOvr>
+</p:sld>
+</file>
+
+<file path=ppt/slides/slide7.xml><?xml version="1.0" encoding="utf-8"?>
+<p:sld xmlns:a="http://schemas.openxmlformats.org/drawingml/2006/main" xmlns:p="http://schemas.openxmlformats.org/presentationml/2006/main" xmlns:r="http://schemas.openxmlformats.org/officeDocument/2006/relationships">
+  <p:cSld>
+    <p:spTree>
+      <p:nvGrpSpPr>
+        <p:cNvPr id="1" name=""/>
+        <p:cNvGrpSpPr/>
+        <p:nvPr/>
+      </p:nvGrpSpPr>
+      <p:grpSpPr/>
+      <p:sp>
+        <p:nvSpPr>
+          <p:cNvPr id="2" name="Title 1"/>
+          <p:cNvSpPr>
+            <a:spLocks noGrp="1"/>
+          </p:cNvSpPr>
+          <p:nvPr>
+            <p:ph type="title"/>
+          </p:nvPr>
+        </p:nvSpPr>
+        <p:spPr/>
+        <p:txBody>
+          <a:bodyPr/>
+          <a:lstStyle/>
+          <a:p>
+            <a:pPr algn="ctr">
+              <a:lnSpc>
+                <a:spcPct val="150000"/>
+              </a:lnSpc>
+              <a:defRPr sz="1800">
+                <a:latin typeface="Trebuchet MS"/>
+              </a:defRPr>
+            </a:pPr>
+            <a:r>
+              <a:t>Mustafa explores Mars in his spacesuit.</a:t>
+            </a:r>
+          </a:p>
+          <a:p>
+            <a:pPr algn="ctr">
+              <a:lnSpc>
+                <a:spcPct val="150000"/>
+              </a:lnSpc>
+              <a:defRPr sz="1800">
+                <a:latin typeface="Trebuchet MS"/>
+              </a:defRPr>
+            </a:pPr>
+            <a:r>
+              <a:t>He meets a Martian and waves hello to him.</a:t>
+            </a:r>
+          </a:p>
+        </p:txBody>
+      </p:sp>
+      <p:sp>
+        <p:nvSpPr>
+          <p:cNvPr id="3" name="TextBox 2"/>
+          <p:cNvSpPr txBox="1"/>
+          <p:nvPr/>
+        </p:nvSpPr>
+        <p:spPr>
+          <a:xfrm>
+            <a:off x="0" y="5943600"/>
+            <a:ext cx="9144000" cy="457200"/>
+          </a:xfrm>
+          <a:prstGeom prst="rect">
+            <a:avLst/>
+          </a:prstGeom>
+          <a:noFill/>
+        </p:spPr>
+        <p:txBody>
+          <a:bodyPr wrap="none">
+            <a:spAutoFit/>
+          </a:bodyPr>
+          <a:lstStyle/>
+          <a:p>
+            <a:pPr algn="ctr">
+              <a:defRPr sz="1080">
+                <a:latin typeface="Trebuchet MS"/>
+              </a:defRPr>
+            </a:pPr>
+            <a:r>
+              <a:t>6</a:t>
+            </a:r>
+          </a:p>
+        </p:txBody>
+      </p:sp>
+    </p:spTree>
+  </p:cSld>
+  <p:clrMapOvr>
+    <a:masterClrMapping/>
+  </p:clrMapOvr>
+</p:sld>
+</file>
+
+<file path=ppt/slides/slide8.xml><?xml version="1.0" encoding="utf-8"?>
+<p:sld xmlns:a="http://schemas.openxmlformats.org/drawingml/2006/main" xmlns:p="http://schemas.openxmlformats.org/presentationml/2006/main" xmlns:r="http://schemas.openxmlformats.org/officeDocument/2006/relationships">
+  <p:cSld>
+    <p:spTree>
+      <p:nvGrpSpPr>
+        <p:cNvPr id="1" name=""/>
+        <p:cNvGrpSpPr/>
+        <p:nvPr/>
+      </p:nvGrpSpPr>
+      <p:grpSpPr/>
+      <p:sp>
+        <p:nvSpPr>
+          <p:cNvPr id="2" name="Title 1"/>
+          <p:cNvSpPr>
+            <a:spLocks noGrp="1"/>
+          </p:cNvSpPr>
+          <p:nvPr>
+            <p:ph type="title"/>
+          </p:nvPr>
+        </p:nvSpPr>
+        <p:spPr/>
+        <p:txBody>
+          <a:bodyPr/>
+          <a:lstStyle/>
+          <a:p>
+            <a:pPr algn="ctr">
+              <a:lnSpc>
+                <a:spcPct val="150000"/>
+              </a:lnSpc>
+              <a:defRPr sz="1800">
+                <a:latin typeface="Trebuchet MS"/>
+              </a:defRPr>
+            </a:pPr>
+            <a:r>
+              <a:t>Mustafa and the Martian play with toys on Mars.</a:t>
+            </a:r>
+          </a:p>
+          <a:p>
+            <a:pPr algn="ctr">
+              <a:lnSpc>
+                <a:spcPct val="150000"/>
+              </a:lnSpc>
+              <a:defRPr sz="1800">
+                <a:latin typeface="Trebuchet MS"/>
+              </a:defRPr>
+            </a:pPr>
+            <a:r>
+              <a:t>They have a great time together!</a:t>
+            </a:r>
+          </a:p>
+        </p:txBody>
+      </p:sp>
+      <p:sp>
+        <p:nvSpPr>
+          <p:cNvPr id="3" name="TextBox 2"/>
+          <p:cNvSpPr txBox="1"/>
+          <p:nvPr/>
+        </p:nvSpPr>
+        <p:spPr>
+          <a:xfrm>
+            <a:off x="0" y="5943600"/>
+            <a:ext cx="9144000" cy="457200"/>
+          </a:xfrm>
+          <a:prstGeom prst="rect">
+            <a:avLst/>
+          </a:prstGeom>
+          <a:noFill/>
+        </p:spPr>
+        <p:txBody>
+          <a:bodyPr wrap="none">
+            <a:spAutoFit/>
+          </a:bodyPr>
+          <a:lstStyle/>
+          <a:p>
+            <a:pPr algn="ctr">
+              <a:defRPr sz="1080">
+                <a:latin typeface="Trebuchet MS"/>
+              </a:defRPr>
+            </a:pPr>
+            <a:r>
+              <a:t>7</a:t>
             </a:r>
           </a:p>
         </p:txBody>
